--- a/figures/motivating-example-prompt.pptx
+++ b/figures/motivating-example-prompt.pptx
@@ -104,6 +104,11 @@
       </a:defRPr>
     </a:lvl9pPr>
   </p:defaultTextStyle>
+  <p:extLst>
+    <p:ext uri="{EFAFB233-063F-42B5-8137-9DF3F51BA10A}">
+      <p15:sldGuideLst xmlns:p15="http://schemas.microsoft.com/office/powerpoint/2012/main"/>
+    </p:ext>
+  </p:extLst>
 </p:presentation>
 </file>
 
@@ -238,7 +243,7 @@
           <a:p>
             <a:fld id="{8D8ACF62-6B1D-48CA-BD1B-B494BA9C5265}" type="datetimeFigureOut">
               <a:rPr lang="en-US" smtClean="0"/>
-              <a:t>9/10/2025</a:t>
+              <a:t>9/12/2025</a:t>
             </a:fld>
             <a:endParaRPr lang="en-US"/>
           </a:p>
@@ -408,7 +413,7 @@
           <a:p>
             <a:fld id="{8D8ACF62-6B1D-48CA-BD1B-B494BA9C5265}" type="datetimeFigureOut">
               <a:rPr lang="en-US" smtClean="0"/>
-              <a:t>9/10/2025</a:t>
+              <a:t>9/12/2025</a:t>
             </a:fld>
             <a:endParaRPr lang="en-US"/>
           </a:p>
@@ -588,7 +593,7 @@
           <a:p>
             <a:fld id="{8D8ACF62-6B1D-48CA-BD1B-B494BA9C5265}" type="datetimeFigureOut">
               <a:rPr lang="en-US" smtClean="0"/>
-              <a:t>9/10/2025</a:t>
+              <a:t>9/12/2025</a:t>
             </a:fld>
             <a:endParaRPr lang="en-US"/>
           </a:p>
@@ -758,7 +763,7 @@
           <a:p>
             <a:fld id="{8D8ACF62-6B1D-48CA-BD1B-B494BA9C5265}" type="datetimeFigureOut">
               <a:rPr lang="en-US" smtClean="0"/>
-              <a:t>9/10/2025</a:t>
+              <a:t>9/12/2025</a:t>
             </a:fld>
             <a:endParaRPr lang="en-US"/>
           </a:p>
@@ -1004,7 +1009,7 @@
           <a:p>
             <a:fld id="{8D8ACF62-6B1D-48CA-BD1B-B494BA9C5265}" type="datetimeFigureOut">
               <a:rPr lang="en-US" smtClean="0"/>
-              <a:t>9/10/2025</a:t>
+              <a:t>9/12/2025</a:t>
             </a:fld>
             <a:endParaRPr lang="en-US"/>
           </a:p>
@@ -1236,7 +1241,7 @@
           <a:p>
             <a:fld id="{8D8ACF62-6B1D-48CA-BD1B-B494BA9C5265}" type="datetimeFigureOut">
               <a:rPr lang="en-US" smtClean="0"/>
-              <a:t>9/10/2025</a:t>
+              <a:t>9/12/2025</a:t>
             </a:fld>
             <a:endParaRPr lang="en-US"/>
           </a:p>
@@ -1603,7 +1608,7 @@
           <a:p>
             <a:fld id="{8D8ACF62-6B1D-48CA-BD1B-B494BA9C5265}" type="datetimeFigureOut">
               <a:rPr lang="en-US" smtClean="0"/>
-              <a:t>9/10/2025</a:t>
+              <a:t>9/12/2025</a:t>
             </a:fld>
             <a:endParaRPr lang="en-US"/>
           </a:p>
@@ -1721,7 +1726,7 @@
           <a:p>
             <a:fld id="{8D8ACF62-6B1D-48CA-BD1B-B494BA9C5265}" type="datetimeFigureOut">
               <a:rPr lang="en-US" smtClean="0"/>
-              <a:t>9/10/2025</a:t>
+              <a:t>9/12/2025</a:t>
             </a:fld>
             <a:endParaRPr lang="en-US"/>
           </a:p>
@@ -1816,7 +1821,7 @@
           <a:p>
             <a:fld id="{8D8ACF62-6B1D-48CA-BD1B-B494BA9C5265}" type="datetimeFigureOut">
               <a:rPr lang="en-US" smtClean="0"/>
-              <a:t>9/10/2025</a:t>
+              <a:t>9/12/2025</a:t>
             </a:fld>
             <a:endParaRPr lang="en-US"/>
           </a:p>
@@ -2093,7 +2098,7 @@
           <a:p>
             <a:fld id="{8D8ACF62-6B1D-48CA-BD1B-B494BA9C5265}" type="datetimeFigureOut">
               <a:rPr lang="en-US" smtClean="0"/>
-              <a:t>9/10/2025</a:t>
+              <a:t>9/12/2025</a:t>
             </a:fld>
             <a:endParaRPr lang="en-US"/>
           </a:p>
@@ -2350,7 +2355,7 @@
           <a:p>
             <a:fld id="{8D8ACF62-6B1D-48CA-BD1B-B494BA9C5265}" type="datetimeFigureOut">
               <a:rPr lang="en-US" smtClean="0"/>
-              <a:t>9/10/2025</a:t>
+              <a:t>9/12/2025</a:t>
             </a:fld>
             <a:endParaRPr lang="en-US"/>
           </a:p>
@@ -2563,7 +2568,7 @@
           <a:p>
             <a:fld id="{8D8ACF62-6B1D-48CA-BD1B-B494BA9C5265}" type="datetimeFigureOut">
               <a:rPr lang="en-US" smtClean="0"/>
-              <a:t>9/10/2025</a:t>
+              <a:t>9/12/2025</a:t>
             </a:fld>
             <a:endParaRPr lang="en-US"/>
           </a:p>
@@ -3133,7 +3138,7 @@
                   <a:ea typeface="Linux Libertine" panose="02000503000000000000" pitchFamily="2" charset="0"/>
                   <a:cs typeface="Linux Libertine" panose="02000503000000000000" pitchFamily="2" charset="0"/>
                 </a:rPr>
-                <a:t>Manually Written Prompt from </a:t>
+                <a:t>Manually Crafted Prompt from </a:t>
               </a:r>
               <a:r>
                 <a:rPr lang="en-US" sz="1200" b="1" dirty="0" err="1">

--- a/figures/motivating-example-prompt.pptx
+++ b/figures/motivating-example-prompt.pptx
@@ -2988,9 +2988,9 @@
         <p:grpSpPr>
           <a:xfrm>
             <a:off x="60822" y="127189"/>
-            <a:ext cx="10859103" cy="1906210"/>
+            <a:ext cx="10921619" cy="1906210"/>
             <a:chOff x="412065" y="762000"/>
-            <a:chExt cx="10859103" cy="1906210"/>
+            <a:chExt cx="10921619" cy="1906210"/>
           </a:xfrm>
         </p:grpSpPr>
         <p:sp>
@@ -3395,8 +3395,8 @@
           </p:nvSpPr>
           <p:spPr>
             <a:xfrm>
-              <a:off x="8451165" y="1200150"/>
-              <a:ext cx="2820003" cy="276999"/>
+              <a:off x="8388647" y="1200150"/>
+              <a:ext cx="2945037" cy="276999"/>
             </a:xfrm>
             <a:prstGeom prst="rect">
               <a:avLst/>
@@ -3415,7 +3415,7 @@
                   <a:ea typeface="Linux Libertine" panose="02000503000000000000" pitchFamily="2" charset="0"/>
                   <a:cs typeface="Linux Libertine" panose="02000503000000000000" pitchFamily="2" charset="0"/>
                 </a:rPr>
-                <a:t>Invariant Generated by </a:t>
+                <a:t>Constraints Generated by </a:t>
               </a:r>
               <a:r>
                 <a:rPr lang="en-US" sz="1200" b="1" dirty="0" err="1">

--- a/figures/motivating-example-prompt.pptx
+++ b/figures/motivating-example-prompt.pptx
@@ -243,7 +243,7 @@
           <a:p>
             <a:fld id="{8D8ACF62-6B1D-48CA-BD1B-B494BA9C5265}" type="datetimeFigureOut">
               <a:rPr lang="en-US" smtClean="0"/>
-              <a:t>9/12/2025</a:t>
+              <a:t>9/14/2025</a:t>
             </a:fld>
             <a:endParaRPr lang="en-US"/>
           </a:p>
@@ -413,7 +413,7 @@
           <a:p>
             <a:fld id="{8D8ACF62-6B1D-48CA-BD1B-B494BA9C5265}" type="datetimeFigureOut">
               <a:rPr lang="en-US" smtClean="0"/>
-              <a:t>9/12/2025</a:t>
+              <a:t>9/14/2025</a:t>
             </a:fld>
             <a:endParaRPr lang="en-US"/>
           </a:p>
@@ -593,7 +593,7 @@
           <a:p>
             <a:fld id="{8D8ACF62-6B1D-48CA-BD1B-B494BA9C5265}" type="datetimeFigureOut">
               <a:rPr lang="en-US" smtClean="0"/>
-              <a:t>9/12/2025</a:t>
+              <a:t>9/14/2025</a:t>
             </a:fld>
             <a:endParaRPr lang="en-US"/>
           </a:p>
@@ -763,7 +763,7 @@
           <a:p>
             <a:fld id="{8D8ACF62-6B1D-48CA-BD1B-B494BA9C5265}" type="datetimeFigureOut">
               <a:rPr lang="en-US" smtClean="0"/>
-              <a:t>9/12/2025</a:t>
+              <a:t>9/14/2025</a:t>
             </a:fld>
             <a:endParaRPr lang="en-US"/>
           </a:p>
@@ -1009,7 +1009,7 @@
           <a:p>
             <a:fld id="{8D8ACF62-6B1D-48CA-BD1B-B494BA9C5265}" type="datetimeFigureOut">
               <a:rPr lang="en-US" smtClean="0"/>
-              <a:t>9/12/2025</a:t>
+              <a:t>9/14/2025</a:t>
             </a:fld>
             <a:endParaRPr lang="en-US"/>
           </a:p>
@@ -1241,7 +1241,7 @@
           <a:p>
             <a:fld id="{8D8ACF62-6B1D-48CA-BD1B-B494BA9C5265}" type="datetimeFigureOut">
               <a:rPr lang="en-US" smtClean="0"/>
-              <a:t>9/12/2025</a:t>
+              <a:t>9/14/2025</a:t>
             </a:fld>
             <a:endParaRPr lang="en-US"/>
           </a:p>
@@ -1608,7 +1608,7 @@
           <a:p>
             <a:fld id="{8D8ACF62-6B1D-48CA-BD1B-B494BA9C5265}" type="datetimeFigureOut">
               <a:rPr lang="en-US" smtClean="0"/>
-              <a:t>9/12/2025</a:t>
+              <a:t>9/14/2025</a:t>
             </a:fld>
             <a:endParaRPr lang="en-US"/>
           </a:p>
@@ -1726,7 +1726,7 @@
           <a:p>
             <a:fld id="{8D8ACF62-6B1D-48CA-BD1B-B494BA9C5265}" type="datetimeFigureOut">
               <a:rPr lang="en-US" smtClean="0"/>
-              <a:t>9/12/2025</a:t>
+              <a:t>9/14/2025</a:t>
             </a:fld>
             <a:endParaRPr lang="en-US"/>
           </a:p>
@@ -1821,7 +1821,7 @@
           <a:p>
             <a:fld id="{8D8ACF62-6B1D-48CA-BD1B-B494BA9C5265}" type="datetimeFigureOut">
               <a:rPr lang="en-US" smtClean="0"/>
-              <a:t>9/12/2025</a:t>
+              <a:t>9/14/2025</a:t>
             </a:fld>
             <a:endParaRPr lang="en-US"/>
           </a:p>
@@ -2098,7 +2098,7 @@
           <a:p>
             <a:fld id="{8D8ACF62-6B1D-48CA-BD1B-B494BA9C5265}" type="datetimeFigureOut">
               <a:rPr lang="en-US" smtClean="0"/>
-              <a:t>9/12/2025</a:t>
+              <a:t>9/14/2025</a:t>
             </a:fld>
             <a:endParaRPr lang="en-US"/>
           </a:p>
@@ -2355,7 +2355,7 @@
           <a:p>
             <a:fld id="{8D8ACF62-6B1D-48CA-BD1B-B494BA9C5265}" type="datetimeFigureOut">
               <a:rPr lang="en-US" smtClean="0"/>
-              <a:t>9/12/2025</a:t>
+              <a:t>9/14/2025</a:t>
             </a:fld>
             <a:endParaRPr lang="en-US"/>
           </a:p>
@@ -2568,7 +2568,7 @@
           <a:p>
             <a:fld id="{8D8ACF62-6B1D-48CA-BD1B-B494BA9C5265}" type="datetimeFigureOut">
               <a:rPr lang="en-US" smtClean="0"/>
-              <a:t>9/12/2025</a:t>
+              <a:t>9/14/2025</a:t>
             </a:fld>
             <a:endParaRPr lang="en-US"/>
           </a:p>
@@ -2973,509 +2973,543 @@
           <a:chExt cx="0" cy="0"/>
         </a:xfrm>
       </p:grpSpPr>
-      <p:grpSp>
-        <p:nvGrpSpPr>
-          <p:cNvPr id="13" name="组合 12">
+      <p:sp>
+        <p:nvSpPr>
+          <p:cNvPr id="4" name="文本框 3">
             <a:extLst>
               <a:ext uri="{FF2B5EF4-FFF2-40B4-BE49-F238E27FC236}">
-                <a16:creationId xmlns:a16="http://schemas.microsoft.com/office/drawing/2014/main" id="{2F899391-EECE-9D7D-F242-D95C93466436}"/>
+                <a16:creationId xmlns:a16="http://schemas.microsoft.com/office/drawing/2014/main" id="{37722CD7-1F60-8211-8FFA-C306193B7AB6}"/>
               </a:ext>
             </a:extLst>
           </p:cNvPr>
-          <p:cNvGrpSpPr/>
+          <p:cNvSpPr txBox="1"/>
           <p:nvPr/>
-        </p:nvGrpSpPr>
-        <p:grpSpPr>
+        </p:nvSpPr>
+        <p:spPr>
           <a:xfrm>
-            <a:off x="60822" y="127189"/>
-            <a:ext cx="10921619" cy="1906210"/>
-            <a:chOff x="412065" y="762000"/>
-            <a:chExt cx="10921619" cy="1906210"/>
+            <a:off x="60822" y="463739"/>
+            <a:ext cx="3778249" cy="1569660"/>
           </a:xfrm>
-        </p:grpSpPr>
-        <p:sp>
-          <p:nvSpPr>
-            <p:cNvPr id="4" name="文本框 3">
-              <a:extLst>
-                <a:ext uri="{FF2B5EF4-FFF2-40B4-BE49-F238E27FC236}">
-                  <a16:creationId xmlns:a16="http://schemas.microsoft.com/office/drawing/2014/main" id="{37722CD7-1F60-8211-8FFA-C306193B7AB6}"/>
-                </a:ext>
-              </a:extLst>
-            </p:cNvPr>
-            <p:cNvSpPr txBox="1"/>
-            <p:nvPr/>
-          </p:nvSpPr>
-          <p:spPr>
-            <a:xfrm>
-              <a:off x="412065" y="1098550"/>
-              <a:ext cx="3778249" cy="1569660"/>
-            </a:xfrm>
-            <a:prstGeom prst="rect">
-              <a:avLst/>
-            </a:prstGeom>
-            <a:noFill/>
-            <a:ln w="9525">
-              <a:solidFill>
-                <a:schemeClr val="tx1"/>
-              </a:solidFill>
-              <a:prstDash val="dash"/>
-            </a:ln>
-          </p:spPr>
-          <p:txBody>
-            <a:bodyPr wrap="square" rtlCol="0">
-              <a:spAutoFit/>
-            </a:bodyPr>
-            <a:lstStyle/>
-            <a:p>
-              <a:pPr algn="just"/>
-              <a:r>
-                <a:rPr lang="en-US" sz="1200" dirty="0">
-                  <a:latin typeface="Linux Libertine" panose="02000503000000000000" pitchFamily="2" charset="0"/>
-                  <a:ea typeface="Linux Libertine" panose="02000503000000000000" pitchFamily="2" charset="0"/>
-                  <a:cs typeface="Linux Libertine" panose="02000503000000000000" pitchFamily="2" charset="0"/>
-                </a:rPr>
-                <a:t>Based on the logs, infer the valid values for each field by referencing these common types of data validation:</a:t>
-              </a:r>
-            </a:p>
-            <a:p>
-              <a:pPr algn="just"/>
-              <a:r>
-                <a:rPr lang="en-US" sz="1200" dirty="0">
-                  <a:latin typeface="Linux Libertine" panose="02000503000000000000" pitchFamily="2" charset="0"/>
-                  <a:ea typeface="Linux Libertine" panose="02000503000000000000" pitchFamily="2" charset="0"/>
-                  <a:cs typeface="Linux Libertine" panose="02000503000000000000" pitchFamily="2" charset="0"/>
-                </a:rPr>
-                <a:t>1. </a:t>
-              </a:r>
-              <a:r>
-                <a:rPr lang="en-US" sz="1200" b="1" dirty="0">
-                  <a:latin typeface="Linux Libertine" panose="02000503000000000000" pitchFamily="2" charset="0"/>
-                  <a:ea typeface="Linux Libertine" panose="02000503000000000000" pitchFamily="2" charset="0"/>
-                  <a:cs typeface="Linux Libertine" panose="02000503000000000000" pitchFamily="2" charset="0"/>
-                </a:rPr>
-                <a:t>Data Type Check</a:t>
-              </a:r>
-              <a:r>
-                <a:rPr lang="en-US" sz="1200" dirty="0">
-                  <a:latin typeface="Linux Libertine" panose="02000503000000000000" pitchFamily="2" charset="0"/>
-                  <a:ea typeface="Linux Libertine" panose="02000503000000000000" pitchFamily="2" charset="0"/>
-                  <a:cs typeface="Linux Libertine" panose="02000503000000000000" pitchFamily="2" charset="0"/>
-                </a:rPr>
-                <a:t>: can the string value be converted to a correct data type? (e.g., "0.0" -&gt; float 0.0)</a:t>
-              </a:r>
-            </a:p>
-            <a:p>
-              <a:pPr algn="just"/>
-              <a:r>
-                <a:rPr lang="en-US" sz="1200" dirty="0">
-                  <a:latin typeface="Linux Libertine" panose="02000503000000000000" pitchFamily="2" charset="0"/>
-                  <a:ea typeface="Linux Libertine" panose="02000503000000000000" pitchFamily="2" charset="0"/>
-                  <a:cs typeface="Linux Libertine" panose="02000503000000000000" pitchFamily="2" charset="0"/>
-                </a:rPr>
-                <a:t>2. </a:t>
-              </a:r>
-              <a:r>
-                <a:rPr lang="en-US" sz="1200" b="1" dirty="0">
-                  <a:latin typeface="Linux Libertine" panose="02000503000000000000" pitchFamily="2" charset="0"/>
-                  <a:ea typeface="Linux Libertine" panose="02000503000000000000" pitchFamily="2" charset="0"/>
-                  <a:cs typeface="Linux Libertine" panose="02000503000000000000" pitchFamily="2" charset="0"/>
-                </a:rPr>
-                <a:t>Code Check</a:t>
-              </a:r>
-              <a:r>
-                <a:rPr lang="en-US" sz="1200" dirty="0">
-                  <a:latin typeface="Linux Libertine" panose="02000503000000000000" pitchFamily="2" charset="0"/>
-                  <a:ea typeface="Linux Libertine" panose="02000503000000000000" pitchFamily="2" charset="0"/>
-                  <a:cs typeface="Linux Libertine" panose="02000503000000000000" pitchFamily="2" charset="0"/>
-                </a:rPr>
-                <a:t>: does the value fall within a valid list of values? (e.g., postal codes, country codes, NAICS industry codes)</a:t>
-              </a:r>
-            </a:p>
-            <a:p>
-              <a:pPr algn="ctr"/>
-              <a:r>
-                <a:rPr lang="en-US" sz="1200" dirty="0">
-                  <a:latin typeface="Linux Libertine" panose="02000503000000000000" pitchFamily="2" charset="0"/>
-                  <a:ea typeface="Linux Libertine" panose="02000503000000000000" pitchFamily="2" charset="0"/>
-                  <a:cs typeface="Linux Libertine" panose="02000503000000000000" pitchFamily="2" charset="0"/>
-                </a:rPr>
-                <a:t>......</a:t>
-              </a:r>
-            </a:p>
-          </p:txBody>
-        </p:sp>
-        <p:sp>
-          <p:nvSpPr>
-            <p:cNvPr id="6" name="文本框 5">
-              <a:extLst>
-                <a:ext uri="{FF2B5EF4-FFF2-40B4-BE49-F238E27FC236}">
-                  <a16:creationId xmlns:a16="http://schemas.microsoft.com/office/drawing/2014/main" id="{1D987806-5334-A6F4-E6F0-426B6BC06968}"/>
-                </a:ext>
-              </a:extLst>
-            </p:cNvPr>
-            <p:cNvSpPr txBox="1"/>
-            <p:nvPr/>
-          </p:nvSpPr>
-          <p:spPr>
-            <a:xfrm>
-              <a:off x="723674" y="762000"/>
-              <a:ext cx="3155031" cy="276999"/>
-            </a:xfrm>
-            <a:prstGeom prst="rect">
-              <a:avLst/>
-            </a:prstGeom>
-            <a:noFill/>
-          </p:spPr>
-          <p:txBody>
-            <a:bodyPr wrap="none" rtlCol="0">
-              <a:spAutoFit/>
-            </a:bodyPr>
-            <a:lstStyle/>
-            <a:p>
-              <a:r>
-                <a:rPr lang="en-US" sz="1200" b="1" dirty="0">
-                  <a:latin typeface="Linux Libertine" panose="02000503000000000000" pitchFamily="2" charset="0"/>
-                  <a:ea typeface="Linux Libertine" panose="02000503000000000000" pitchFamily="2" charset="0"/>
-                  <a:cs typeface="Linux Libertine" panose="02000503000000000000" pitchFamily="2" charset="0"/>
-                </a:rPr>
-                <a:t>Manually Crafted Prompt from </a:t>
-              </a:r>
-              <a:r>
-                <a:rPr lang="en-US" sz="1200" b="1" dirty="0" err="1">
-                  <a:latin typeface="Linux Libertine" panose="02000503000000000000" pitchFamily="2" charset="0"/>
-                  <a:ea typeface="Linux Libertine" panose="02000503000000000000" pitchFamily="2" charset="0"/>
-                  <a:cs typeface="Linux Libertine" panose="02000503000000000000" pitchFamily="2" charset="0"/>
-                </a:rPr>
-                <a:t>WebNorm</a:t>
-              </a:r>
-              <a:endParaRPr lang="en-US" sz="1200" b="1" dirty="0">
+          <a:prstGeom prst="rect">
+            <a:avLst/>
+          </a:prstGeom>
+          <a:noFill/>
+          <a:ln w="9525">
+            <a:solidFill>
+              <a:schemeClr val="tx1"/>
+            </a:solidFill>
+            <a:prstDash val="dash"/>
+          </a:ln>
+        </p:spPr>
+        <p:txBody>
+          <a:bodyPr wrap="square" rtlCol="0">
+            <a:spAutoFit/>
+          </a:bodyPr>
+          <a:lstStyle/>
+          <a:p>
+            <a:pPr algn="just"/>
+            <a:r>
+              <a:rPr lang="en-US" sz="1200" dirty="0">
                 <a:latin typeface="Linux Libertine" panose="02000503000000000000" pitchFamily="2" charset="0"/>
                 <a:ea typeface="Linux Libertine" panose="02000503000000000000" pitchFamily="2" charset="0"/>
                 <a:cs typeface="Linux Libertine" panose="02000503000000000000" pitchFamily="2" charset="0"/>
-              </a:endParaRPr>
-            </a:p>
-          </p:txBody>
-        </p:sp>
-        <p:sp>
-          <p:nvSpPr>
-            <p:cNvPr id="7" name="文本框 6">
-              <a:extLst>
-                <a:ext uri="{FF2B5EF4-FFF2-40B4-BE49-F238E27FC236}">
-                  <a16:creationId xmlns:a16="http://schemas.microsoft.com/office/drawing/2014/main" id="{3C348EB5-7279-781A-485A-A1366FE39756}"/>
-                </a:ext>
-              </a:extLst>
-            </p:cNvPr>
-            <p:cNvSpPr txBox="1"/>
-            <p:nvPr/>
-          </p:nvSpPr>
-          <p:spPr>
-            <a:xfrm>
-              <a:off x="4431615" y="1098550"/>
-              <a:ext cx="3778249" cy="1569660"/>
-            </a:xfrm>
-            <a:prstGeom prst="rect">
-              <a:avLst/>
-            </a:prstGeom>
-            <a:noFill/>
-            <a:ln w="9525">
-              <a:solidFill>
-                <a:schemeClr val="tx1"/>
-              </a:solidFill>
-              <a:prstDash val="dash"/>
-            </a:ln>
-          </p:spPr>
-          <p:txBody>
-            <a:bodyPr wrap="square" rtlCol="0">
-              <a:spAutoFit/>
-            </a:bodyPr>
-            <a:lstStyle/>
-            <a:p>
-              <a:pPr algn="just"/>
-              <a:r>
-                <a:rPr lang="en-US" sz="1200" dirty="0">
-                  <a:latin typeface="Linux Libertine" panose="02000503000000000000" pitchFamily="2" charset="0"/>
-                  <a:ea typeface="Linux Libertine" panose="02000503000000000000" pitchFamily="2" charset="0"/>
-                  <a:cs typeface="Linux Libertine" panose="02000503000000000000" pitchFamily="2" charset="0"/>
-                </a:rPr>
-                <a:t>* </a:t>
-              </a:r>
-              <a:r>
-                <a:rPr lang="en-US" sz="1200" b="1" dirty="0">
-                  <a:latin typeface="Linux Libertine" panose="02000503000000000000" pitchFamily="2" charset="0"/>
-                  <a:ea typeface="Linux Libertine" panose="02000503000000000000" pitchFamily="2" charset="0"/>
-                  <a:cs typeface="Linux Libertine" panose="02000503000000000000" pitchFamily="2" charset="0"/>
-                </a:rPr>
-                <a:t>**Consistency**</a:t>
-              </a:r>
-            </a:p>
-            <a:p>
-              <a:pPr algn="just"/>
-              <a:r>
-                <a:rPr lang="en-US" sz="1200" dirty="0">
-                  <a:latin typeface="Linux Libertine" panose="02000503000000000000" pitchFamily="2" charset="0"/>
-                  <a:ea typeface="Linux Libertine" panose="02000503000000000000" pitchFamily="2" charset="0"/>
-                  <a:cs typeface="Linux Libertine" panose="02000503000000000000" pitchFamily="2" charset="0"/>
-                </a:rPr>
-                <a:t>  - If a field appears in both the main and related event namespaces, their values must be identical.</a:t>
-              </a:r>
-            </a:p>
-            <a:p>
-              <a:pPr algn="just"/>
-              <a:r>
-                <a:rPr lang="en-US" sz="1200" dirty="0">
-                  <a:latin typeface="Linux Libertine" panose="02000503000000000000" pitchFamily="2" charset="0"/>
-                  <a:ea typeface="Linux Libertine" panose="02000503000000000000" pitchFamily="2" charset="0"/>
-                  <a:cs typeface="Linux Libertine" panose="02000503000000000000" pitchFamily="2" charset="0"/>
-                </a:rPr>
-                <a:t>  - </a:t>
-              </a:r>
-              <a:r>
-                <a:rPr lang="en-US" sz="1200" i="1" dirty="0">
-                  <a:latin typeface="Linux Libertine" panose="02000503000000000000" pitchFamily="2" charset="0"/>
-                  <a:ea typeface="Linux Libertine" panose="02000503000000000000" pitchFamily="2" charset="0"/>
-                  <a:cs typeface="Linux Libertine" panose="02000503000000000000" pitchFamily="2" charset="0"/>
-                </a:rPr>
-                <a:t>If a joined value and an original value have similar or corresponding field names, their values must also be identical.</a:t>
-              </a:r>
-            </a:p>
-            <a:p>
-              <a:pPr algn="just"/>
-              <a:r>
-                <a:rPr lang="en-US" sz="1200" dirty="0">
-                  <a:latin typeface="Linux Libertine" panose="02000503000000000000" pitchFamily="2" charset="0"/>
-                  <a:ea typeface="Linux Libertine" panose="02000503000000000000" pitchFamily="2" charset="0"/>
-                  <a:cs typeface="Linux Libertine" panose="02000503000000000000" pitchFamily="2" charset="0"/>
-                </a:rPr>
-                <a:t>- For dictionary fields, all subfields must recursively match the corresponding keys at each level.</a:t>
-              </a:r>
-            </a:p>
-          </p:txBody>
-        </p:sp>
-        <p:sp>
-          <p:nvSpPr>
-            <p:cNvPr id="8" name="文本框 7">
-              <a:extLst>
-                <a:ext uri="{FF2B5EF4-FFF2-40B4-BE49-F238E27FC236}">
-                  <a16:creationId xmlns:a16="http://schemas.microsoft.com/office/drawing/2014/main" id="{6E71E935-7941-2658-AF42-5C828E2C482B}"/>
-                </a:ext>
-              </a:extLst>
-            </p:cNvPr>
-            <p:cNvSpPr txBox="1"/>
-            <p:nvPr/>
-          </p:nvSpPr>
-          <p:spPr>
-            <a:xfrm>
-              <a:off x="5023749" y="762000"/>
-              <a:ext cx="2593980" cy="276999"/>
-            </a:xfrm>
-            <a:prstGeom prst="rect">
-              <a:avLst/>
-            </a:prstGeom>
-            <a:noFill/>
-          </p:spPr>
-          <p:txBody>
-            <a:bodyPr wrap="none" rtlCol="0">
-              <a:spAutoFit/>
-            </a:bodyPr>
-            <a:lstStyle/>
-            <a:p>
-              <a:r>
-                <a:rPr lang="en-US" sz="1200" b="1" dirty="0">
-                  <a:latin typeface="Linux Libertine" panose="02000503000000000000" pitchFamily="2" charset="0"/>
-                  <a:ea typeface="Linux Libertine" panose="02000503000000000000" pitchFamily="2" charset="0"/>
-                  <a:cs typeface="Linux Libertine" panose="02000503000000000000" pitchFamily="2" charset="0"/>
-                </a:rPr>
-                <a:t>Refined Prompts by </a:t>
-              </a:r>
-              <a:r>
-                <a:rPr lang="en-US" sz="1200" b="1" dirty="0" err="1">
-                  <a:latin typeface="Linux Libertine" panose="02000503000000000000" pitchFamily="2" charset="0"/>
-                  <a:ea typeface="Linux Libertine" panose="02000503000000000000" pitchFamily="2" charset="0"/>
-                  <a:cs typeface="Linux Libertine" panose="02000503000000000000" pitchFamily="2" charset="0"/>
-                </a:rPr>
-                <a:t>AgenticNorm</a:t>
-              </a:r>
-              <a:endParaRPr lang="en-US" sz="1200" b="1" dirty="0">
+              </a:rPr>
+              <a:t>Based on the logs, infer the valid values for each field by referencing these common types of data validation:</a:t>
+            </a:r>
+          </a:p>
+          <a:p>
+            <a:pPr algn="just"/>
+            <a:r>
+              <a:rPr lang="en-US" sz="1200" dirty="0">
                 <a:latin typeface="Linux Libertine" panose="02000503000000000000" pitchFamily="2" charset="0"/>
                 <a:ea typeface="Linux Libertine" panose="02000503000000000000" pitchFamily="2" charset="0"/>
                 <a:cs typeface="Linux Libertine" panose="02000503000000000000" pitchFamily="2" charset="0"/>
-              </a:endParaRPr>
-            </a:p>
-          </p:txBody>
-        </p:sp>
-        <p:sp>
-          <p:nvSpPr>
-            <p:cNvPr id="9" name="文本框 8">
-              <a:extLst>
-                <a:ext uri="{FF2B5EF4-FFF2-40B4-BE49-F238E27FC236}">
-                  <a16:creationId xmlns:a16="http://schemas.microsoft.com/office/drawing/2014/main" id="{A2A1C066-F7A7-99FB-4A4A-BA599566C2F4}"/>
-                </a:ext>
-              </a:extLst>
-            </p:cNvPr>
-            <p:cNvSpPr txBox="1"/>
-            <p:nvPr/>
-          </p:nvSpPr>
-          <p:spPr>
-            <a:xfrm>
-              <a:off x="8661017" y="1536700"/>
-              <a:ext cx="2400299" cy="461665"/>
-            </a:xfrm>
-            <a:prstGeom prst="rect">
-              <a:avLst/>
-            </a:prstGeom>
-            <a:noFill/>
-            <a:ln w="9525">
-              <a:solidFill>
-                <a:schemeClr val="tx1"/>
-              </a:solidFill>
-              <a:prstDash val="dash"/>
-            </a:ln>
-          </p:spPr>
-          <p:txBody>
-            <a:bodyPr wrap="square" rtlCol="0">
-              <a:spAutoFit/>
-            </a:bodyPr>
-            <a:lstStyle/>
-            <a:p>
-              <a:pPr algn="just"/>
-              <a:r>
-                <a:rPr lang="en-US" sz="1200" dirty="0">
-                  <a:latin typeface="Linux Libertine" panose="02000503000000000000" pitchFamily="2" charset="0"/>
-                  <a:ea typeface="Linux Libertine" panose="02000503000000000000" pitchFamily="2" charset="0"/>
-                  <a:cs typeface="Linux Libertine" panose="02000503000000000000" pitchFamily="2" charset="0"/>
-                </a:rPr>
-                <a:t>assert log[“</a:t>
-              </a:r>
-              <a:r>
-                <a:rPr lang="en-US" sz="1200" dirty="0" err="1">
-                  <a:latin typeface="Linux Libertine" panose="02000503000000000000" pitchFamily="2" charset="0"/>
-                  <a:ea typeface="Linux Libertine" panose="02000503000000000000" pitchFamily="2" charset="0"/>
-                  <a:cs typeface="Linux Libertine" panose="02000503000000000000" pitchFamily="2" charset="0"/>
-                </a:rPr>
-                <a:t>arguments.orderId</a:t>
-              </a:r>
-              <a:r>
-                <a:rPr lang="en-US" sz="1200" dirty="0">
-                  <a:latin typeface="Linux Libertine" panose="02000503000000000000" pitchFamily="2" charset="0"/>
-                  <a:ea typeface="Linux Libertine" panose="02000503000000000000" pitchFamily="2" charset="0"/>
-                  <a:cs typeface="Linux Libertine" panose="02000503000000000000" pitchFamily="2" charset="0"/>
-                </a:rPr>
-                <a:t>”] == log[“</a:t>
-              </a:r>
-              <a:r>
-                <a:rPr lang="en-US" sz="1200" dirty="0" err="1">
-                  <a:latin typeface="Linux Libertine" panose="02000503000000000000" pitchFamily="2" charset="0"/>
-                  <a:ea typeface="Linux Libertine" panose="02000503000000000000" pitchFamily="2" charset="0"/>
-                  <a:cs typeface="Linux Libertine" panose="02000503000000000000" pitchFamily="2" charset="0"/>
-                </a:rPr>
-                <a:t>response.data</a:t>
-              </a:r>
-              <a:r>
-                <a:rPr lang="en-US" sz="1200" dirty="0">
-                  <a:latin typeface="Linux Libertine" panose="02000503000000000000" pitchFamily="2" charset="0"/>
-                  <a:ea typeface="Linux Libertine" panose="02000503000000000000" pitchFamily="2" charset="0"/>
-                  <a:cs typeface="Linux Libertine" panose="02000503000000000000" pitchFamily="2" charset="0"/>
-                </a:rPr>
-                <a:t>[joined].id”]</a:t>
-              </a:r>
-            </a:p>
-          </p:txBody>
-        </p:sp>
-        <p:sp>
-          <p:nvSpPr>
-            <p:cNvPr id="10" name="文本框 9">
-              <a:extLst>
-                <a:ext uri="{FF2B5EF4-FFF2-40B4-BE49-F238E27FC236}">
-                  <a16:creationId xmlns:a16="http://schemas.microsoft.com/office/drawing/2014/main" id="{C011591C-A94F-0D24-DD6B-6F4028DAD194}"/>
-                </a:ext>
-              </a:extLst>
-            </p:cNvPr>
-            <p:cNvSpPr txBox="1"/>
-            <p:nvPr/>
-          </p:nvSpPr>
-          <p:spPr>
-            <a:xfrm>
-              <a:off x="8388647" y="1200150"/>
-              <a:ext cx="2945037" cy="276999"/>
-            </a:xfrm>
-            <a:prstGeom prst="rect">
-              <a:avLst/>
-            </a:prstGeom>
-            <a:noFill/>
-          </p:spPr>
-          <p:txBody>
-            <a:bodyPr wrap="none" rtlCol="0">
-              <a:spAutoFit/>
-            </a:bodyPr>
-            <a:lstStyle/>
-            <a:p>
-              <a:r>
-                <a:rPr lang="en-US" sz="1200" b="1" dirty="0">
-                  <a:latin typeface="Linux Libertine" panose="02000503000000000000" pitchFamily="2" charset="0"/>
-                  <a:ea typeface="Linux Libertine" panose="02000503000000000000" pitchFamily="2" charset="0"/>
-                  <a:cs typeface="Linux Libertine" panose="02000503000000000000" pitchFamily="2" charset="0"/>
-                </a:rPr>
-                <a:t>Constraints Generated by </a:t>
-              </a:r>
-              <a:r>
-                <a:rPr lang="en-US" sz="1200" b="1" dirty="0" err="1">
-                  <a:latin typeface="Linux Libertine" panose="02000503000000000000" pitchFamily="2" charset="0"/>
-                  <a:ea typeface="Linux Libertine" panose="02000503000000000000" pitchFamily="2" charset="0"/>
-                  <a:cs typeface="Linux Libertine" panose="02000503000000000000" pitchFamily="2" charset="0"/>
-                </a:rPr>
-                <a:t>AgenticNorm</a:t>
-              </a:r>
-              <a:endParaRPr lang="en-US" sz="1200" b="1" dirty="0">
+              </a:rPr>
+              <a:t>1. </a:t>
+            </a:r>
+            <a:r>
+              <a:rPr lang="en-US" sz="1200" b="1" dirty="0">
                 <a:latin typeface="Linux Libertine" panose="02000503000000000000" pitchFamily="2" charset="0"/>
                 <a:ea typeface="Linux Libertine" panose="02000503000000000000" pitchFamily="2" charset="0"/>
                 <a:cs typeface="Linux Libertine" panose="02000503000000000000" pitchFamily="2" charset="0"/>
-              </a:endParaRPr>
-            </a:p>
-          </p:txBody>
-        </p:sp>
-        <p:cxnSp>
-          <p:nvCxnSpPr>
-            <p:cNvPr id="12" name="直接箭头连接符 11">
-              <a:extLst>
-                <a:ext uri="{FF2B5EF4-FFF2-40B4-BE49-F238E27FC236}">
-                  <a16:creationId xmlns:a16="http://schemas.microsoft.com/office/drawing/2014/main" id="{AD6E8B43-04DD-21A4-D030-32A06E13445E}"/>
-                </a:ext>
-              </a:extLst>
-            </p:cNvPr>
-            <p:cNvCxnSpPr>
-              <a:stCxn id="7" idx="3"/>
-              <a:endCxn id="9" idx="1"/>
-            </p:cNvCxnSpPr>
-            <p:nvPr/>
-          </p:nvCxnSpPr>
-          <p:spPr>
-            <a:xfrm flipV="1">
-              <a:off x="8209864" y="1767533"/>
-              <a:ext cx="451153" cy="115847"/>
-            </a:xfrm>
-            <a:prstGeom prst="straightConnector1">
-              <a:avLst/>
-            </a:prstGeom>
-            <a:ln>
-              <a:tailEnd type="triangle"/>
-            </a:ln>
-          </p:spPr>
-          <p:style>
-            <a:lnRef idx="2">
-              <a:schemeClr val="accent1"/>
-            </a:lnRef>
-            <a:fillRef idx="0">
-              <a:schemeClr val="accent1"/>
-            </a:fillRef>
-            <a:effectRef idx="1">
-              <a:schemeClr val="accent1"/>
-            </a:effectRef>
-            <a:fontRef idx="minor">
+              </a:rPr>
+              <a:t>Data Type Check</a:t>
+            </a:r>
+            <a:r>
+              <a:rPr lang="en-US" sz="1200" dirty="0">
+                <a:latin typeface="Linux Libertine" panose="02000503000000000000" pitchFamily="2" charset="0"/>
+                <a:ea typeface="Linux Libertine" panose="02000503000000000000" pitchFamily="2" charset="0"/>
+                <a:cs typeface="Linux Libertine" panose="02000503000000000000" pitchFamily="2" charset="0"/>
+              </a:rPr>
+              <a:t>: can the string value be converted to a correct data type? (e.g., "0.0" -&gt; float 0.0)</a:t>
+            </a:r>
+          </a:p>
+          <a:p>
+            <a:pPr algn="just"/>
+            <a:r>
+              <a:rPr lang="en-US" sz="1200" dirty="0">
+                <a:latin typeface="Linux Libertine" panose="02000503000000000000" pitchFamily="2" charset="0"/>
+                <a:ea typeface="Linux Libertine" panose="02000503000000000000" pitchFamily="2" charset="0"/>
+                <a:cs typeface="Linux Libertine" panose="02000503000000000000" pitchFamily="2" charset="0"/>
+              </a:rPr>
+              <a:t>2. </a:t>
+            </a:r>
+            <a:r>
+              <a:rPr lang="en-US" sz="1200" b="1" dirty="0">
+                <a:latin typeface="Linux Libertine" panose="02000503000000000000" pitchFamily="2" charset="0"/>
+                <a:ea typeface="Linux Libertine" panose="02000503000000000000" pitchFamily="2" charset="0"/>
+                <a:cs typeface="Linux Libertine" panose="02000503000000000000" pitchFamily="2" charset="0"/>
+              </a:rPr>
+              <a:t>Code Check</a:t>
+            </a:r>
+            <a:r>
+              <a:rPr lang="en-US" sz="1200" dirty="0">
+                <a:latin typeface="Linux Libertine" panose="02000503000000000000" pitchFamily="2" charset="0"/>
+                <a:ea typeface="Linux Libertine" panose="02000503000000000000" pitchFamily="2" charset="0"/>
+                <a:cs typeface="Linux Libertine" panose="02000503000000000000" pitchFamily="2" charset="0"/>
+              </a:rPr>
+              <a:t>: does the value fall within a valid list of values? (e.g., postal codes, country codes, NAICS industry codes)</a:t>
+            </a:r>
+          </a:p>
+          <a:p>
+            <a:pPr algn="ctr"/>
+            <a:r>
+              <a:rPr lang="en-US" sz="1200" dirty="0">
+                <a:latin typeface="Linux Libertine" panose="02000503000000000000" pitchFamily="2" charset="0"/>
+                <a:ea typeface="Linux Libertine" panose="02000503000000000000" pitchFamily="2" charset="0"/>
+                <a:cs typeface="Linux Libertine" panose="02000503000000000000" pitchFamily="2" charset="0"/>
+              </a:rPr>
+              <a:t>......</a:t>
+            </a:r>
+          </a:p>
+        </p:txBody>
+      </p:sp>
+      <p:sp>
+        <p:nvSpPr>
+          <p:cNvPr id="6" name="文本框 5">
+            <a:extLst>
+              <a:ext uri="{FF2B5EF4-FFF2-40B4-BE49-F238E27FC236}">
+                <a16:creationId xmlns:a16="http://schemas.microsoft.com/office/drawing/2014/main" id="{1D987806-5334-A6F4-E6F0-426B6BC06968}"/>
+              </a:ext>
+            </a:extLst>
+          </p:cNvPr>
+          <p:cNvSpPr txBox="1"/>
+          <p:nvPr/>
+        </p:nvSpPr>
+        <p:spPr>
+          <a:xfrm>
+            <a:off x="372431" y="127189"/>
+            <a:ext cx="3155031" cy="276999"/>
+          </a:xfrm>
+          <a:prstGeom prst="rect">
+            <a:avLst/>
+          </a:prstGeom>
+          <a:noFill/>
+        </p:spPr>
+        <p:txBody>
+          <a:bodyPr wrap="none" rtlCol="0">
+            <a:spAutoFit/>
+          </a:bodyPr>
+          <a:lstStyle/>
+          <a:p>
+            <a:r>
+              <a:rPr lang="en-US" sz="1200" b="1" dirty="0">
+                <a:latin typeface="Linux Libertine" panose="02000503000000000000" pitchFamily="2" charset="0"/>
+                <a:ea typeface="Linux Libertine" panose="02000503000000000000" pitchFamily="2" charset="0"/>
+                <a:cs typeface="Linux Libertine" panose="02000503000000000000" pitchFamily="2" charset="0"/>
+              </a:rPr>
+              <a:t>Manually Crafted Prompt from </a:t>
+            </a:r>
+            <a:r>
+              <a:rPr lang="en-US" sz="1200" b="1" dirty="0" err="1">
+                <a:latin typeface="Linux Libertine" panose="02000503000000000000" pitchFamily="2" charset="0"/>
+                <a:ea typeface="Linux Libertine" panose="02000503000000000000" pitchFamily="2" charset="0"/>
+                <a:cs typeface="Linux Libertine" panose="02000503000000000000" pitchFamily="2" charset="0"/>
+              </a:rPr>
+              <a:t>WebNorm</a:t>
+            </a:r>
+            <a:endParaRPr lang="en-US" sz="1200" b="1" dirty="0">
+              <a:latin typeface="Linux Libertine" panose="02000503000000000000" pitchFamily="2" charset="0"/>
+              <a:ea typeface="Linux Libertine" panose="02000503000000000000" pitchFamily="2" charset="0"/>
+              <a:cs typeface="Linux Libertine" panose="02000503000000000000" pitchFamily="2" charset="0"/>
+            </a:endParaRPr>
+          </a:p>
+        </p:txBody>
+      </p:sp>
+      <p:sp>
+        <p:nvSpPr>
+          <p:cNvPr id="7" name="文本框 6">
+            <a:extLst>
+              <a:ext uri="{FF2B5EF4-FFF2-40B4-BE49-F238E27FC236}">
+                <a16:creationId xmlns:a16="http://schemas.microsoft.com/office/drawing/2014/main" id="{3C348EB5-7279-781A-485A-A1366FE39756}"/>
+              </a:ext>
+            </a:extLst>
+          </p:cNvPr>
+          <p:cNvSpPr txBox="1"/>
+          <p:nvPr/>
+        </p:nvSpPr>
+        <p:spPr>
+          <a:xfrm>
+            <a:off x="4080372" y="463739"/>
+            <a:ext cx="3778249" cy="1569660"/>
+          </a:xfrm>
+          <a:prstGeom prst="rect">
+            <a:avLst/>
+          </a:prstGeom>
+          <a:noFill/>
+          <a:ln w="9525">
+            <a:solidFill>
               <a:schemeClr val="tx1"/>
-            </a:fontRef>
-          </p:style>
-        </p:cxnSp>
-      </p:grpSp>
+            </a:solidFill>
+            <a:prstDash val="dash"/>
+          </a:ln>
+        </p:spPr>
+        <p:txBody>
+          <a:bodyPr wrap="square" rtlCol="0">
+            <a:spAutoFit/>
+          </a:bodyPr>
+          <a:lstStyle/>
+          <a:p>
+            <a:pPr algn="just"/>
+            <a:r>
+              <a:rPr lang="en-US" sz="1200" dirty="0">
+                <a:latin typeface="Linux Libertine" panose="02000503000000000000" pitchFamily="2" charset="0"/>
+                <a:ea typeface="Linux Libertine" panose="02000503000000000000" pitchFamily="2" charset="0"/>
+                <a:cs typeface="Linux Libertine" panose="02000503000000000000" pitchFamily="2" charset="0"/>
+              </a:rPr>
+              <a:t>* </a:t>
+            </a:r>
+            <a:r>
+              <a:rPr lang="en-US" sz="1200" b="1" dirty="0">
+                <a:latin typeface="Linux Libertine" panose="02000503000000000000" pitchFamily="2" charset="0"/>
+                <a:ea typeface="Linux Libertine" panose="02000503000000000000" pitchFamily="2" charset="0"/>
+                <a:cs typeface="Linux Libertine" panose="02000503000000000000" pitchFamily="2" charset="0"/>
+              </a:rPr>
+              <a:t>**Consistency**</a:t>
+            </a:r>
+          </a:p>
+          <a:p>
+            <a:pPr algn="just"/>
+            <a:r>
+              <a:rPr lang="en-US" sz="1200" dirty="0">
+                <a:latin typeface="Linux Libertine" panose="02000503000000000000" pitchFamily="2" charset="0"/>
+                <a:ea typeface="Linux Libertine" panose="02000503000000000000" pitchFamily="2" charset="0"/>
+                <a:cs typeface="Linux Libertine" panose="02000503000000000000" pitchFamily="2" charset="0"/>
+              </a:rPr>
+              <a:t>  - If a field appears in both the main and related event namespaces, their values must be identical.</a:t>
+            </a:r>
+          </a:p>
+          <a:p>
+            <a:pPr algn="just"/>
+            <a:r>
+              <a:rPr lang="en-US" sz="1200" dirty="0">
+                <a:latin typeface="Linux Libertine" panose="02000503000000000000" pitchFamily="2" charset="0"/>
+                <a:ea typeface="Linux Libertine" panose="02000503000000000000" pitchFamily="2" charset="0"/>
+                <a:cs typeface="Linux Libertine" panose="02000503000000000000" pitchFamily="2" charset="0"/>
+              </a:rPr>
+              <a:t>  - </a:t>
+            </a:r>
+            <a:r>
+              <a:rPr lang="en-US" sz="1200" i="1" dirty="0">
+                <a:latin typeface="Linux Libertine" panose="02000503000000000000" pitchFamily="2" charset="0"/>
+                <a:ea typeface="Linux Libertine" panose="02000503000000000000" pitchFamily="2" charset="0"/>
+                <a:cs typeface="Linux Libertine" panose="02000503000000000000" pitchFamily="2" charset="0"/>
+              </a:rPr>
+              <a:t>If a joined value and an original value have similar or corresponding field names, their values must also be identical.</a:t>
+            </a:r>
+          </a:p>
+          <a:p>
+            <a:pPr algn="just"/>
+            <a:r>
+              <a:rPr lang="en-US" sz="1200" dirty="0">
+                <a:latin typeface="Linux Libertine" panose="02000503000000000000" pitchFamily="2" charset="0"/>
+                <a:ea typeface="Linux Libertine" panose="02000503000000000000" pitchFamily="2" charset="0"/>
+                <a:cs typeface="Linux Libertine" panose="02000503000000000000" pitchFamily="2" charset="0"/>
+              </a:rPr>
+              <a:t>- For dictionary fields, all subfields must recursively match the corresponding keys at each level.</a:t>
+            </a:r>
+          </a:p>
+        </p:txBody>
+      </p:sp>
+      <p:sp>
+        <p:nvSpPr>
+          <p:cNvPr id="8" name="文本框 7">
+            <a:extLst>
+              <a:ext uri="{FF2B5EF4-FFF2-40B4-BE49-F238E27FC236}">
+                <a16:creationId xmlns:a16="http://schemas.microsoft.com/office/drawing/2014/main" id="{6E71E935-7941-2658-AF42-5C828E2C482B}"/>
+              </a:ext>
+            </a:extLst>
+          </p:cNvPr>
+          <p:cNvSpPr txBox="1"/>
+          <p:nvPr/>
+        </p:nvSpPr>
+        <p:spPr>
+          <a:xfrm>
+            <a:off x="4672506" y="127189"/>
+            <a:ext cx="2593980" cy="276999"/>
+          </a:xfrm>
+          <a:prstGeom prst="rect">
+            <a:avLst/>
+          </a:prstGeom>
+          <a:noFill/>
+        </p:spPr>
+        <p:txBody>
+          <a:bodyPr wrap="none" rtlCol="0">
+            <a:spAutoFit/>
+          </a:bodyPr>
+          <a:lstStyle/>
+          <a:p>
+            <a:r>
+              <a:rPr lang="en-US" sz="1200" b="1" dirty="0">
+                <a:latin typeface="Linux Libertine" panose="02000503000000000000" pitchFamily="2" charset="0"/>
+                <a:ea typeface="Linux Libertine" panose="02000503000000000000" pitchFamily="2" charset="0"/>
+                <a:cs typeface="Linux Libertine" panose="02000503000000000000" pitchFamily="2" charset="0"/>
+              </a:rPr>
+              <a:t>Refined Prompts by </a:t>
+            </a:r>
+            <a:r>
+              <a:rPr lang="en-US" sz="1200" b="1" dirty="0" err="1">
+                <a:latin typeface="Linux Libertine" panose="02000503000000000000" pitchFamily="2" charset="0"/>
+                <a:ea typeface="Linux Libertine" panose="02000503000000000000" pitchFamily="2" charset="0"/>
+                <a:cs typeface="Linux Libertine" panose="02000503000000000000" pitchFamily="2" charset="0"/>
+              </a:rPr>
+              <a:t>AgenticNorm</a:t>
+            </a:r>
+            <a:endParaRPr lang="en-US" sz="1200" b="1" dirty="0">
+              <a:latin typeface="Linux Libertine" panose="02000503000000000000" pitchFamily="2" charset="0"/>
+              <a:ea typeface="Linux Libertine" panose="02000503000000000000" pitchFamily="2" charset="0"/>
+              <a:cs typeface="Linux Libertine" panose="02000503000000000000" pitchFamily="2" charset="0"/>
+            </a:endParaRPr>
+          </a:p>
+        </p:txBody>
+      </p:sp>
+      <p:sp>
+        <p:nvSpPr>
+          <p:cNvPr id="9" name="文本框 8">
+            <a:extLst>
+              <a:ext uri="{FF2B5EF4-FFF2-40B4-BE49-F238E27FC236}">
+                <a16:creationId xmlns:a16="http://schemas.microsoft.com/office/drawing/2014/main" id="{A2A1C066-F7A7-99FB-4A4A-BA599566C2F4}"/>
+              </a:ext>
+            </a:extLst>
+          </p:cNvPr>
+          <p:cNvSpPr txBox="1"/>
+          <p:nvPr/>
+        </p:nvSpPr>
+        <p:spPr>
+          <a:xfrm>
+            <a:off x="8309774" y="1096759"/>
+            <a:ext cx="2400299" cy="461665"/>
+          </a:xfrm>
+          <a:prstGeom prst="rect">
+            <a:avLst/>
+          </a:prstGeom>
+          <a:noFill/>
+          <a:ln w="9525">
+            <a:solidFill>
+              <a:schemeClr val="tx1"/>
+            </a:solidFill>
+            <a:prstDash val="dash"/>
+          </a:ln>
+        </p:spPr>
+        <p:txBody>
+          <a:bodyPr wrap="square" rtlCol="0">
+            <a:spAutoFit/>
+          </a:bodyPr>
+          <a:lstStyle/>
+          <a:p>
+            <a:pPr algn="just"/>
+            <a:r>
+              <a:rPr lang="en-US" sz="1200" dirty="0">
+                <a:latin typeface="Linux Libertine" panose="02000503000000000000" pitchFamily="2" charset="0"/>
+                <a:ea typeface="Linux Libertine" panose="02000503000000000000" pitchFamily="2" charset="0"/>
+                <a:cs typeface="Linux Libertine" panose="02000503000000000000" pitchFamily="2" charset="0"/>
+              </a:rPr>
+              <a:t>assert log[“</a:t>
+            </a:r>
+            <a:r>
+              <a:rPr lang="en-US" sz="1200" dirty="0" err="1">
+                <a:latin typeface="Linux Libertine" panose="02000503000000000000" pitchFamily="2" charset="0"/>
+                <a:ea typeface="Linux Libertine" panose="02000503000000000000" pitchFamily="2" charset="0"/>
+                <a:cs typeface="Linux Libertine" panose="02000503000000000000" pitchFamily="2" charset="0"/>
+              </a:rPr>
+              <a:t>arguments.orderId</a:t>
+            </a:r>
+            <a:r>
+              <a:rPr lang="en-US" sz="1200" dirty="0">
+                <a:latin typeface="Linux Libertine" panose="02000503000000000000" pitchFamily="2" charset="0"/>
+                <a:ea typeface="Linux Libertine" panose="02000503000000000000" pitchFamily="2" charset="0"/>
+                <a:cs typeface="Linux Libertine" panose="02000503000000000000" pitchFamily="2" charset="0"/>
+              </a:rPr>
+              <a:t>”] == log[“</a:t>
+            </a:r>
+            <a:r>
+              <a:rPr lang="en-US" sz="1200" dirty="0" err="1">
+                <a:latin typeface="Linux Libertine" panose="02000503000000000000" pitchFamily="2" charset="0"/>
+                <a:ea typeface="Linux Libertine" panose="02000503000000000000" pitchFamily="2" charset="0"/>
+                <a:cs typeface="Linux Libertine" panose="02000503000000000000" pitchFamily="2" charset="0"/>
+              </a:rPr>
+              <a:t>response.data</a:t>
+            </a:r>
+            <a:r>
+              <a:rPr lang="en-US" sz="1200" dirty="0">
+                <a:latin typeface="Linux Libertine" panose="02000503000000000000" pitchFamily="2" charset="0"/>
+                <a:ea typeface="Linux Libertine" panose="02000503000000000000" pitchFamily="2" charset="0"/>
+                <a:cs typeface="Linux Libertine" panose="02000503000000000000" pitchFamily="2" charset="0"/>
+              </a:rPr>
+              <a:t>[joined].id”]</a:t>
+            </a:r>
+          </a:p>
+        </p:txBody>
+      </p:sp>
+      <p:sp>
+        <p:nvSpPr>
+          <p:cNvPr id="10" name="文本框 9">
+            <a:extLst>
+              <a:ext uri="{FF2B5EF4-FFF2-40B4-BE49-F238E27FC236}">
+                <a16:creationId xmlns:a16="http://schemas.microsoft.com/office/drawing/2014/main" id="{C011591C-A94F-0D24-DD6B-6F4028DAD194}"/>
+              </a:ext>
+            </a:extLst>
+          </p:cNvPr>
+          <p:cNvSpPr txBox="1"/>
+          <p:nvPr/>
+        </p:nvSpPr>
+        <p:spPr>
+          <a:xfrm>
+            <a:off x="8037404" y="820169"/>
+            <a:ext cx="2945037" cy="276999"/>
+          </a:xfrm>
+          <a:prstGeom prst="rect">
+            <a:avLst/>
+          </a:prstGeom>
+          <a:noFill/>
+        </p:spPr>
+        <p:txBody>
+          <a:bodyPr wrap="none" rtlCol="0">
+            <a:spAutoFit/>
+          </a:bodyPr>
+          <a:lstStyle/>
+          <a:p>
+            <a:r>
+              <a:rPr lang="en-US" sz="1200" b="1" dirty="0">
+                <a:latin typeface="Linux Libertine" panose="02000503000000000000" pitchFamily="2" charset="0"/>
+                <a:ea typeface="Linux Libertine" panose="02000503000000000000" pitchFamily="2" charset="0"/>
+                <a:cs typeface="Linux Libertine" panose="02000503000000000000" pitchFamily="2" charset="0"/>
+              </a:rPr>
+              <a:t>Constraints Generated by </a:t>
+            </a:r>
+            <a:r>
+              <a:rPr lang="en-US" sz="1200" b="1" dirty="0" err="1">
+                <a:latin typeface="Linux Libertine" panose="02000503000000000000" pitchFamily="2" charset="0"/>
+                <a:ea typeface="Linux Libertine" panose="02000503000000000000" pitchFamily="2" charset="0"/>
+                <a:cs typeface="Linux Libertine" panose="02000503000000000000" pitchFamily="2" charset="0"/>
+              </a:rPr>
+              <a:t>AgenticNorm</a:t>
+            </a:r>
+            <a:endParaRPr lang="en-US" sz="1200" b="1" dirty="0">
+              <a:latin typeface="Linux Libertine" panose="02000503000000000000" pitchFamily="2" charset="0"/>
+              <a:ea typeface="Linux Libertine" panose="02000503000000000000" pitchFamily="2" charset="0"/>
+              <a:cs typeface="Linux Libertine" panose="02000503000000000000" pitchFamily="2" charset="0"/>
+            </a:endParaRPr>
+          </a:p>
+        </p:txBody>
+      </p:sp>
+      <p:cxnSp>
+        <p:nvCxnSpPr>
+          <p:cNvPr id="12" name="直接箭头连接符 11">
+            <a:extLst>
+              <a:ext uri="{FF2B5EF4-FFF2-40B4-BE49-F238E27FC236}">
+                <a16:creationId xmlns:a16="http://schemas.microsoft.com/office/drawing/2014/main" id="{AD6E8B43-04DD-21A4-D030-32A06E13445E}"/>
+              </a:ext>
+            </a:extLst>
+          </p:cNvPr>
+          <p:cNvCxnSpPr>
+            <a:cxnSpLocks/>
+            <a:stCxn id="2" idx="3"/>
+          </p:cNvCxnSpPr>
+          <p:nvPr/>
+        </p:nvCxnSpPr>
+        <p:spPr>
+          <a:xfrm>
+            <a:off x="7820024" y="1328339"/>
+            <a:ext cx="489750" cy="0"/>
+          </a:xfrm>
+          <a:prstGeom prst="straightConnector1">
+            <a:avLst/>
+          </a:prstGeom>
+          <a:ln>
+            <a:solidFill>
+              <a:schemeClr val="tx1"/>
+            </a:solidFill>
+            <a:tailEnd type="triangle"/>
+          </a:ln>
+        </p:spPr>
+        <p:style>
+          <a:lnRef idx="2">
+            <a:schemeClr val="accent1"/>
+          </a:lnRef>
+          <a:fillRef idx="0">
+            <a:schemeClr val="accent1"/>
+          </a:fillRef>
+          <a:effectRef idx="1">
+            <a:schemeClr val="accent1"/>
+          </a:effectRef>
+          <a:fontRef idx="minor">
+            <a:schemeClr val="tx1"/>
+          </a:fontRef>
+        </p:style>
+      </p:cxnSp>
+      <p:sp>
+        <p:nvSpPr>
+          <p:cNvPr id="2" name="Rectangle 1">
+            <a:extLst>
+              <a:ext uri="{FF2B5EF4-FFF2-40B4-BE49-F238E27FC236}">
+                <a16:creationId xmlns:a16="http://schemas.microsoft.com/office/drawing/2014/main" id="{BF9CD8C9-F8BE-3982-8E91-A99E2B837F80}"/>
+              </a:ext>
+            </a:extLst>
+          </p:cNvPr>
+          <p:cNvSpPr/>
+          <p:nvPr/>
+        </p:nvSpPr>
+        <p:spPr>
+          <a:xfrm>
+            <a:off x="4138611" y="1061242"/>
+            <a:ext cx="3681413" cy="534194"/>
+          </a:xfrm>
+          <a:prstGeom prst="rect">
+            <a:avLst/>
+          </a:prstGeom>
+          <a:noFill/>
+          <a:ln>
+            <a:solidFill>
+              <a:schemeClr val="tx1"/>
+            </a:solidFill>
+          </a:ln>
+        </p:spPr>
+        <p:style>
+          <a:lnRef idx="2">
+            <a:schemeClr val="accent1">
+              <a:shade val="15000"/>
+            </a:schemeClr>
+          </a:lnRef>
+          <a:fillRef idx="1">
+            <a:schemeClr val="accent1"/>
+          </a:fillRef>
+          <a:effectRef idx="0">
+            <a:schemeClr val="accent1"/>
+          </a:effectRef>
+          <a:fontRef idx="minor">
+            <a:schemeClr val="lt1"/>
+          </a:fontRef>
+        </p:style>
+        <p:txBody>
+          <a:bodyPr rtlCol="0" anchor="ctr"/>
+          <a:lstStyle/>
+          <a:p>
+            <a:pPr algn="ctr"/>
+            <a:endParaRPr lang="zh-CN" altLang="en-US"/>
+          </a:p>
+        </p:txBody>
+      </p:sp>
     </p:spTree>
     <p:extLst>
       <p:ext uri="{BB962C8B-B14F-4D97-AF65-F5344CB8AC3E}">
